--- a/slides/0x400/0x406 - Finding Binaries.pptx
+++ b/slides/0x400/0x406 - Finding Binaries.pptx
@@ -6,11 +6,12 @@
   </p:sldMasterIdLst>
   <p:sldIdLst>
     <p:sldId id="256" r:id="rId2"/>
-    <p:sldId id="257" r:id="rId3"/>
-    <p:sldId id="258" r:id="rId4"/>
-    <p:sldId id="259" r:id="rId5"/>
-    <p:sldId id="260" r:id="rId6"/>
-    <p:sldId id="261" r:id="rId7"/>
+    <p:sldId id="262" r:id="rId3"/>
+    <p:sldId id="257" r:id="rId4"/>
+    <p:sldId id="258" r:id="rId5"/>
+    <p:sldId id="259" r:id="rId6"/>
+    <p:sldId id="260" r:id="rId7"/>
+    <p:sldId id="261" r:id="rId8"/>
   </p:sldIdLst>
   <p:sldSz cx="12192000" cy="6858000"/>
   <p:notesSz cx="6858000" cy="9144000"/>
@@ -266,7 +267,7 @@
           <a:p>
             <a:fld id="{284D57D4-96EB-485F-885D-A03F9F5EA4CF}" type="datetimeFigureOut">
               <a:rPr lang="en-CA" smtClean="0"/>
-              <a:t>2020-11-06</a:t>
+              <a:t>2023-10-23</a:t>
             </a:fld>
             <a:endParaRPr lang="en-CA"/>
           </a:p>
@@ -466,7 +467,7 @@
           <a:p>
             <a:fld id="{284D57D4-96EB-485F-885D-A03F9F5EA4CF}" type="datetimeFigureOut">
               <a:rPr lang="en-CA" smtClean="0"/>
-              <a:t>2020-11-06</a:t>
+              <a:t>2023-10-23</a:t>
             </a:fld>
             <a:endParaRPr lang="en-CA"/>
           </a:p>
@@ -676,7 +677,7 @@
           <a:p>
             <a:fld id="{284D57D4-96EB-485F-885D-A03F9F5EA4CF}" type="datetimeFigureOut">
               <a:rPr lang="en-CA" smtClean="0"/>
-              <a:t>2020-11-06</a:t>
+              <a:t>2023-10-23</a:t>
             </a:fld>
             <a:endParaRPr lang="en-CA"/>
           </a:p>
@@ -876,7 +877,7 @@
           <a:p>
             <a:fld id="{284D57D4-96EB-485F-885D-A03F9F5EA4CF}" type="datetimeFigureOut">
               <a:rPr lang="en-CA" smtClean="0"/>
-              <a:t>2020-11-06</a:t>
+              <a:t>2023-10-23</a:t>
             </a:fld>
             <a:endParaRPr lang="en-CA"/>
           </a:p>
@@ -1152,7 +1153,7 @@
           <a:p>
             <a:fld id="{284D57D4-96EB-485F-885D-A03F9F5EA4CF}" type="datetimeFigureOut">
               <a:rPr lang="en-CA" smtClean="0"/>
-              <a:t>2020-11-06</a:t>
+              <a:t>2023-10-23</a:t>
             </a:fld>
             <a:endParaRPr lang="en-CA"/>
           </a:p>
@@ -1420,7 +1421,7 @@
           <a:p>
             <a:fld id="{284D57D4-96EB-485F-885D-A03F9F5EA4CF}" type="datetimeFigureOut">
               <a:rPr lang="en-CA" smtClean="0"/>
-              <a:t>2020-11-06</a:t>
+              <a:t>2023-10-23</a:t>
             </a:fld>
             <a:endParaRPr lang="en-CA"/>
           </a:p>
@@ -1835,7 +1836,7 @@
           <a:p>
             <a:fld id="{284D57D4-96EB-485F-885D-A03F9F5EA4CF}" type="datetimeFigureOut">
               <a:rPr lang="en-CA" smtClean="0"/>
-              <a:t>2020-11-06</a:t>
+              <a:t>2023-10-23</a:t>
             </a:fld>
             <a:endParaRPr lang="en-CA"/>
           </a:p>
@@ -1977,7 +1978,7 @@
           <a:p>
             <a:fld id="{284D57D4-96EB-485F-885D-A03F9F5EA4CF}" type="datetimeFigureOut">
               <a:rPr lang="en-CA" smtClean="0"/>
-              <a:t>2020-11-06</a:t>
+              <a:t>2023-10-23</a:t>
             </a:fld>
             <a:endParaRPr lang="en-CA"/>
           </a:p>
@@ -2090,7 +2091,7 @@
           <a:p>
             <a:fld id="{284D57D4-96EB-485F-885D-A03F9F5EA4CF}" type="datetimeFigureOut">
               <a:rPr lang="en-CA" smtClean="0"/>
-              <a:t>2020-11-06</a:t>
+              <a:t>2023-10-23</a:t>
             </a:fld>
             <a:endParaRPr lang="en-CA"/>
           </a:p>
@@ -2403,7 +2404,7 @@
           <a:p>
             <a:fld id="{284D57D4-96EB-485F-885D-A03F9F5EA4CF}" type="datetimeFigureOut">
               <a:rPr lang="en-CA" smtClean="0"/>
-              <a:t>2020-11-06</a:t>
+              <a:t>2023-10-23</a:t>
             </a:fld>
             <a:endParaRPr lang="en-CA"/>
           </a:p>
@@ -2692,7 +2693,7 @@
           <a:p>
             <a:fld id="{284D57D4-96EB-485F-885D-A03F9F5EA4CF}" type="datetimeFigureOut">
               <a:rPr lang="en-CA" smtClean="0"/>
-              <a:t>2020-11-06</a:t>
+              <a:t>2023-10-23</a:t>
             </a:fld>
             <a:endParaRPr lang="en-CA"/>
           </a:p>
@@ -2935,7 +2936,7 @@
           <a:p>
             <a:fld id="{284D57D4-96EB-485F-885D-A03F9F5EA4CF}" type="datetimeFigureOut">
               <a:rPr lang="en-CA" smtClean="0"/>
-              <a:t>2020-11-06</a:t>
+              <a:t>2023-10-23</a:t>
             </a:fld>
             <a:endParaRPr lang="en-CA"/>
           </a:p>
@@ -3462,6 +3463,69 @@
       </p:grpSpPr>
       <p:sp>
         <p:nvSpPr>
+          <p:cNvPr id="3" name="Content Placeholder 2">
+            <a:extLst>
+              <a:ext uri="{FF2B5EF4-FFF2-40B4-BE49-F238E27FC236}">
+                <a16:creationId xmlns:a16="http://schemas.microsoft.com/office/drawing/2014/main" id="{1C01C15F-8A64-F456-0922-99D04CBABC85}"/>
+              </a:ext>
+            </a:extLst>
+          </p:cNvPr>
+          <p:cNvSpPr>
+            <a:spLocks noGrp="1"/>
+          </p:cNvSpPr>
+          <p:nvPr>
+            <p:ph idx="1"/>
+          </p:nvPr>
+        </p:nvSpPr>
+        <p:spPr/>
+        <p:txBody>
+          <a:bodyPr>
+            <a:normAutofit/>
+          </a:bodyPr>
+          <a:lstStyle/>
+          <a:p>
+            <a:pPr marL="0" indent="0">
+              <a:buNone/>
+            </a:pPr>
+            <a:r>
+              <a:rPr lang="en-CA" sz="4400" i="1" dirty="0"/>
+              <a:t>NOTE: This material is now covered in slides ~0x300 series mostly. I’ve left these slides up for posterity, but there isn’t new information.</a:t>
+            </a:r>
+          </a:p>
+        </p:txBody>
+      </p:sp>
+    </p:spTree>
+    <p:extLst>
+      <p:ext uri="{BB962C8B-B14F-4D97-AF65-F5344CB8AC3E}">
+        <p14:creationId xmlns:p14="http://schemas.microsoft.com/office/powerpoint/2010/main" val="3784729009"/>
+      </p:ext>
+    </p:extLst>
+  </p:cSld>
+  <p:clrMapOvr>
+    <a:masterClrMapping/>
+  </p:clrMapOvr>
+</p:sld>
+</file>
+
+<file path=ppt/slides/slide3.xml><?xml version="1.0" encoding="utf-8"?>
+<p:sld xmlns:a="http://schemas.openxmlformats.org/drawingml/2006/main" xmlns:r="http://schemas.openxmlformats.org/officeDocument/2006/relationships" xmlns:p="http://schemas.openxmlformats.org/presentationml/2006/main">
+  <p:cSld>
+    <p:spTree>
+      <p:nvGrpSpPr>
+        <p:cNvPr id="1" name=""/>
+        <p:cNvGrpSpPr/>
+        <p:nvPr/>
+      </p:nvGrpSpPr>
+      <p:grpSpPr>
+        <a:xfrm>
+          <a:off x="0" y="0"/>
+          <a:ext cx="0" cy="0"/>
+          <a:chOff x="0" y="0"/>
+          <a:chExt cx="0" cy="0"/>
+        </a:xfrm>
+      </p:grpSpPr>
+      <p:sp>
+        <p:nvSpPr>
           <p:cNvPr id="2" name="Title 1">
             <a:extLst>
               <a:ext uri="{FF2B5EF4-FFF2-40B4-BE49-F238E27FC236}">
@@ -3576,7 +3640,7 @@
 </p:sld>
 </file>
 
-<file path=ppt/slides/slide3.xml><?xml version="1.0" encoding="utf-8"?>
+<file path=ppt/slides/slide4.xml><?xml version="1.0" encoding="utf-8"?>
 <p:sld xmlns:a="http://schemas.openxmlformats.org/drawingml/2006/main" xmlns:r="http://schemas.openxmlformats.org/officeDocument/2006/relationships" xmlns:p="http://schemas.openxmlformats.org/presentationml/2006/main">
   <p:cSld>
     <p:spTree>
@@ -3708,7 +3772,7 @@
 </p:sld>
 </file>
 
-<file path=ppt/slides/slide4.xml><?xml version="1.0" encoding="utf-8"?>
+<file path=ppt/slides/slide5.xml><?xml version="1.0" encoding="utf-8"?>
 <p:sld xmlns:a="http://schemas.openxmlformats.org/drawingml/2006/main" xmlns:r="http://schemas.openxmlformats.org/officeDocument/2006/relationships" xmlns:p="http://schemas.openxmlformats.org/presentationml/2006/main">
   <p:cSld>
     <p:spTree>
@@ -3919,7 +3983,7 @@
 </p:sld>
 </file>
 
-<file path=ppt/slides/slide5.xml><?xml version="1.0" encoding="utf-8"?>
+<file path=ppt/slides/slide6.xml><?xml version="1.0" encoding="utf-8"?>
 <p:sld xmlns:a="http://schemas.openxmlformats.org/drawingml/2006/main" xmlns:r="http://schemas.openxmlformats.org/officeDocument/2006/relationships" xmlns:p="http://schemas.openxmlformats.org/presentationml/2006/main">
   <p:cSld>
     <p:spTree>
@@ -4089,7 +4153,7 @@
 </p:sld>
 </file>
 
-<file path=ppt/slides/slide6.xml><?xml version="1.0" encoding="utf-8"?>
+<file path=ppt/slides/slide7.xml><?xml version="1.0" encoding="utf-8"?>
 <p:sld xmlns:a="http://schemas.openxmlformats.org/drawingml/2006/main" xmlns:r="http://schemas.openxmlformats.org/officeDocument/2006/relationships" xmlns:p="http://schemas.openxmlformats.org/presentationml/2006/main">
   <p:cSld>
     <p:spTree>
